--- a/Notes/Presentation refiates selmen.pptx
+++ b/Notes/Presentation refiates selmen.pptx
@@ -8,10 +8,14 @@
     <p:sldId id="256" r:id="rId2"/>
     <p:sldId id="257" r:id="rId3"/>
     <p:sldId id="258" r:id="rId4"/>
-    <p:sldId id="259" r:id="rId5"/>
-    <p:sldId id="260" r:id="rId6"/>
-    <p:sldId id="261" r:id="rId7"/>
-    <p:sldId id="262" r:id="rId8"/>
+    <p:sldId id="263" r:id="rId5"/>
+    <p:sldId id="266" r:id="rId6"/>
+    <p:sldId id="264" r:id="rId7"/>
+    <p:sldId id="267" r:id="rId8"/>
+    <p:sldId id="265" r:id="rId9"/>
+    <p:sldId id="260" r:id="rId10"/>
+    <p:sldId id="261" r:id="rId11"/>
+    <p:sldId id="262" r:id="rId12"/>
   </p:sldIdLst>
   <p:sldSz cx="12192000" cy="6858000"/>
   <p:notesSz cx="6858000" cy="9144000"/>
@@ -118,7 +122,11 @@
             <p14:sldId id="256"/>
             <p14:sldId id="257"/>
             <p14:sldId id="258"/>
-            <p14:sldId id="259"/>
+            <p14:sldId id="263"/>
+            <p14:sldId id="266"/>
+            <p14:sldId id="264"/>
+            <p14:sldId id="267"/>
+            <p14:sldId id="265"/>
             <p14:sldId id="260"/>
             <p14:sldId id="261"/>
             <p14:sldId id="262"/>
@@ -4183,6 +4191,232 @@
 </p:sld>
 </file>
 
+<file path=ppt/slides/slide10.xml><?xml version="1.0" encoding="utf-8"?>
+<p:sld xmlns:a="http://schemas.openxmlformats.org/drawingml/2006/main" xmlns:r="http://schemas.openxmlformats.org/officeDocument/2006/relationships" xmlns:p="http://schemas.openxmlformats.org/presentationml/2006/main">
+  <p:cSld>
+    <p:spTree>
+      <p:nvGrpSpPr>
+        <p:cNvPr id="1" name=""/>
+        <p:cNvGrpSpPr/>
+        <p:nvPr/>
+      </p:nvGrpSpPr>
+      <p:grpSpPr>
+        <a:xfrm>
+          <a:off x="0" y="0"/>
+          <a:ext cx="0" cy="0"/>
+          <a:chOff x="0" y="0"/>
+          <a:chExt cx="0" cy="0"/>
+        </a:xfrm>
+      </p:grpSpPr>
+      <p:sp>
+        <p:nvSpPr>
+          <p:cNvPr id="2" name="Titre 1"/>
+          <p:cNvSpPr>
+            <a:spLocks noGrp="1"/>
+          </p:cNvSpPr>
+          <p:nvPr>
+            <p:ph type="title"/>
+          </p:nvPr>
+        </p:nvSpPr>
+        <p:spPr/>
+        <p:txBody>
+          <a:bodyPr>
+            <a:normAutofit fontScale="90000"/>
+          </a:bodyPr>
+          <a:lstStyle/>
+          <a:p>
+            <a:r>
+              <a:rPr lang="fr-FR" u="sng" dirty="0">
+                <a:effectLst>
+                  <a:outerShdw blurRad="38100" dist="38100" dir="2700000" algn="tl">
+                    <a:srgbClr val="000000">
+                      <a:alpha val="43137"/>
+                    </a:srgbClr>
+                  </a:outerShdw>
+                </a:effectLst>
+              </a:rPr>
+              <a:t>Solution logicielle ou matérielle</a:t>
+            </a:r>
+            <a:br>
+              <a:rPr lang="fr-FR" u="sng" dirty="0">
+                <a:effectLst>
+                  <a:outerShdw blurRad="38100" dist="38100" dir="2700000" algn="tl">
+                    <a:srgbClr val="000000">
+                      <a:alpha val="43137"/>
+                    </a:srgbClr>
+                  </a:outerShdw>
+                </a:effectLst>
+              </a:rPr>
+            </a:br>
+            <a:endParaRPr lang="fr-FR" u="sng" dirty="0">
+              <a:effectLst>
+                <a:outerShdw blurRad="38100" dist="38100" dir="2700000" algn="tl">
+                  <a:srgbClr val="000000">
+                    <a:alpha val="43137"/>
+                  </a:srgbClr>
+                </a:outerShdw>
+              </a:effectLst>
+            </a:endParaRPr>
+          </a:p>
+        </p:txBody>
+      </p:sp>
+      <p:sp>
+        <p:nvSpPr>
+          <p:cNvPr id="3" name="Espace réservé du contenu 2"/>
+          <p:cNvSpPr>
+            <a:spLocks noGrp="1"/>
+          </p:cNvSpPr>
+          <p:nvPr>
+            <p:ph idx="1"/>
+          </p:nvPr>
+        </p:nvSpPr>
+        <p:spPr/>
+        <p:txBody>
+          <a:bodyPr/>
+          <a:lstStyle/>
+          <a:p>
+            <a:endParaRPr lang="fr-FR"/>
+          </a:p>
+        </p:txBody>
+      </p:sp>
+    </p:spTree>
+    <p:extLst>
+      <p:ext uri="{BB962C8B-B14F-4D97-AF65-F5344CB8AC3E}">
+        <p14:creationId xmlns:p14="http://schemas.microsoft.com/office/powerpoint/2010/main" val="1677723131"/>
+      </p:ext>
+    </p:extLst>
+  </p:cSld>
+  <p:clrMapOvr>
+    <a:masterClrMapping/>
+  </p:clrMapOvr>
+</p:sld>
+</file>
+
+<file path=ppt/slides/slide11.xml><?xml version="1.0" encoding="utf-8"?>
+<p:sld xmlns:a="http://schemas.openxmlformats.org/drawingml/2006/main" xmlns:r="http://schemas.openxmlformats.org/officeDocument/2006/relationships" xmlns:p="http://schemas.openxmlformats.org/presentationml/2006/main">
+  <p:cSld>
+    <p:spTree>
+      <p:nvGrpSpPr>
+        <p:cNvPr id="1" name=""/>
+        <p:cNvGrpSpPr/>
+        <p:nvPr/>
+      </p:nvGrpSpPr>
+      <p:grpSpPr>
+        <a:xfrm>
+          <a:off x="0" y="0"/>
+          <a:ext cx="0" cy="0"/>
+          <a:chOff x="0" y="0"/>
+          <a:chExt cx="0" cy="0"/>
+        </a:xfrm>
+      </p:grpSpPr>
+      <p:sp>
+        <p:nvSpPr>
+          <p:cNvPr id="2" name="Titre 1"/>
+          <p:cNvSpPr>
+            <a:spLocks noGrp="1"/>
+          </p:cNvSpPr>
+          <p:nvPr>
+            <p:ph type="title"/>
+          </p:nvPr>
+        </p:nvSpPr>
+        <p:spPr/>
+        <p:txBody>
+          <a:bodyPr>
+            <a:normAutofit/>
+          </a:bodyPr>
+          <a:lstStyle/>
+          <a:p>
+            <a:r>
+              <a:rPr lang="fr-FR" sz="4400" u="sng" dirty="0">
+                <a:effectLst>
+                  <a:outerShdw blurRad="38100" dist="38100" dir="2700000" algn="tl">
+                    <a:srgbClr val="000000">
+                      <a:alpha val="43137"/>
+                    </a:srgbClr>
+                  </a:outerShdw>
+                </a:effectLst>
+              </a:rPr>
+              <a:t>L’</a:t>
+            </a:r>
+            <a:r>
+              <a:rPr lang="fr-FR" sz="4400" u="sng" dirty="0" err="1">
+                <a:effectLst>
+                  <a:outerShdw blurRad="38100" dist="38100" dir="2700000" algn="tl">
+                    <a:srgbClr val="000000">
+                      <a:alpha val="43137"/>
+                    </a:srgbClr>
+                  </a:outerShdw>
+                </a:effectLst>
+              </a:rPr>
+              <a:t>algorigramme</a:t>
+            </a:r>
+            <a:r>
+              <a:rPr lang="fr-FR" sz="4400" u="sng" dirty="0">
+                <a:effectLst>
+                  <a:outerShdw blurRad="38100" dist="38100" dir="2700000" algn="tl">
+                    <a:srgbClr val="000000">
+                      <a:alpha val="43137"/>
+                    </a:srgbClr>
+                  </a:outerShdw>
+                </a:effectLst>
+              </a:rPr>
+              <a:t> des systèmes</a:t>
+            </a:r>
+            <a:br>
+              <a:rPr lang="fr-FR" sz="4400" u="sng" dirty="0">
+                <a:effectLst>
+                  <a:outerShdw blurRad="38100" dist="38100" dir="2700000" algn="tl">
+                    <a:srgbClr val="000000">
+                      <a:alpha val="43137"/>
+                    </a:srgbClr>
+                  </a:outerShdw>
+                </a:effectLst>
+              </a:rPr>
+            </a:br>
+            <a:endParaRPr lang="fr-FR" sz="4400" u="sng" dirty="0">
+              <a:effectLst>
+                <a:outerShdw blurRad="38100" dist="38100" dir="2700000" algn="tl">
+                  <a:srgbClr val="000000">
+                    <a:alpha val="43137"/>
+                  </a:srgbClr>
+                </a:outerShdw>
+              </a:effectLst>
+            </a:endParaRPr>
+          </a:p>
+        </p:txBody>
+      </p:sp>
+      <p:sp>
+        <p:nvSpPr>
+          <p:cNvPr id="3" name="Espace réservé du contenu 2"/>
+          <p:cNvSpPr>
+            <a:spLocks noGrp="1"/>
+          </p:cNvSpPr>
+          <p:nvPr>
+            <p:ph idx="1"/>
+          </p:nvPr>
+        </p:nvSpPr>
+        <p:spPr/>
+        <p:txBody>
+          <a:bodyPr/>
+          <a:lstStyle/>
+          <a:p>
+            <a:endParaRPr lang="fr-FR"/>
+          </a:p>
+        </p:txBody>
+      </p:sp>
+    </p:spTree>
+    <p:extLst>
+      <p:ext uri="{BB962C8B-B14F-4D97-AF65-F5344CB8AC3E}">
+        <p14:creationId xmlns:p14="http://schemas.microsoft.com/office/powerpoint/2010/main" val="3695257969"/>
+      </p:ext>
+    </p:extLst>
+  </p:cSld>
+  <p:clrMapOvr>
+    <a:masterClrMapping/>
+  </p:clrMapOvr>
+</p:sld>
+</file>
+
 <file path=ppt/slides/slide2.xml><?xml version="1.0" encoding="utf-8"?>
 <p:sld xmlns:a="http://schemas.openxmlformats.org/drawingml/2006/main" xmlns:r="http://schemas.openxmlformats.org/officeDocument/2006/relationships" xmlns:p="http://schemas.openxmlformats.org/presentationml/2006/main">
   <p:cSld>
@@ -4362,10 +4596,8 @@
                   </a:outerShdw>
                 </a:effectLst>
               </a:rPr>
-              <a:t>Cahier des charges</a:t>
-            </a:r>
-          </a:p>
-          <a:p>
+              <a:t>Chaine </a:t>
+            </a:r>
             <a:r>
               <a:rPr lang="fr-FR" dirty="0" smtClean="0">
                 <a:effectLst>
@@ -4376,10 +4608,33 @@
                   </a:outerShdw>
                 </a:effectLst>
               </a:rPr>
-              <a:t>Chaine d’énergie et d’information</a:t>
-            </a:r>
-          </a:p>
-          <a:p>
+              <a:t>d’énergie et d’information</a:t>
+            </a:r>
+          </a:p>
+          <a:p>
+            <a:endParaRPr lang="fr-FR" dirty="0" smtClean="0">
+              <a:effectLst>
+                <a:outerShdw blurRad="38100" dist="38100" dir="2700000" algn="tl">
+                  <a:srgbClr val="000000">
+                    <a:alpha val="43137"/>
+                  </a:srgbClr>
+                </a:outerShdw>
+              </a:effectLst>
+            </a:endParaRPr>
+          </a:p>
+          <a:p>
+            <a:r>
+              <a:rPr lang="fr-FR" dirty="0" smtClean="0">
+                <a:effectLst>
+                  <a:outerShdw blurRad="38100" dist="38100" dir="2700000" algn="tl">
+                    <a:srgbClr val="000000">
+                      <a:alpha val="43137"/>
+                    </a:srgbClr>
+                  </a:outerShdw>
+                </a:effectLst>
+              </a:rPr>
+              <a:t>Future</a:t>
+            </a:r>
             <a:endParaRPr lang="fr-FR" dirty="0" smtClean="0">
               <a:effectLst>
                 <a:outerShdw blurRad="38100" dist="38100" dir="2700000" algn="tl">
@@ -4505,8 +4760,8 @@
         </p:nvSpPr>
         <p:spPr>
           <a:xfrm>
-            <a:off x="1069848" y="658804"/>
-            <a:ext cx="10058400" cy="1609344"/>
+            <a:off x="93182" y="658804"/>
+            <a:ext cx="12011732" cy="1609344"/>
           </a:xfrm>
         </p:spPr>
         <p:txBody>
@@ -4526,10 +4781,10 @@
                   </a:outerShdw>
                 </a:effectLst>
               </a:rPr>
-              <a:t>Les différents diagrammes et triptyque du </a:t>
-            </a:r>
-            <a:r>
-              <a:rPr lang="fr-FR" sz="4400" u="sng" dirty="0" err="1">
+              <a:t>Les différents </a:t>
+            </a:r>
+            <a:r>
+              <a:rPr lang="fr-FR" sz="4400" u="sng" dirty="0" smtClean="0">
                 <a:effectLst>
                   <a:outerShdw blurRad="38100" dist="38100" dir="2700000" algn="tl">
                     <a:srgbClr val="000000">
@@ -4538,7 +4793,7 @@
                   </a:outerShdw>
                 </a:effectLst>
               </a:rPr>
-              <a:t>Dév</a:t>
+              <a:t>diagrammes Arthur</a:t>
             </a:r>
             <a:r>
               <a:rPr lang="fr-FR" sz="4400" u="sng" dirty="0">
@@ -4550,7 +4805,7 @@
                   </a:outerShdw>
                 </a:effectLst>
               </a:rPr>
-              <a:t>-dur</a:t>
+              <a:t/>
             </a:r>
             <a:br>
               <a:rPr lang="fr-FR" sz="4400" u="sng" dirty="0">
@@ -4575,25 +4830,95 @@
           </a:p>
         </p:txBody>
       </p:sp>
-      <p:sp>
-        <p:nvSpPr>
-          <p:cNvPr id="3" name="Espace réservé du contenu 2"/>
-          <p:cNvSpPr>
-            <a:spLocks noGrp="1"/>
-          </p:cNvSpPr>
+      <p:pic>
+        <p:nvPicPr>
+          <p:cNvPr id="9" name="Image 8"/>
+          <p:cNvPicPr>
+            <a:picLocks noChangeAspect="1"/>
+          </p:cNvPicPr>
+          <p:nvPr/>
+        </p:nvPicPr>
+        <p:blipFill>
+          <a:blip r:embed="rId2">
+            <a:extLst>
+              <a:ext uri="{28A0092B-C50C-407E-A947-70E740481C1C}">
+                <a14:useLocalDpi xmlns:a14="http://schemas.microsoft.com/office/drawing/2010/main" val="0"/>
+              </a:ext>
+            </a:extLst>
+          </a:blip>
+          <a:stretch>
+            <a:fillRect/>
+          </a:stretch>
+        </p:blipFill>
+        <p:spPr>
+          <a:xfrm>
+            <a:off x="3609219" y="1904379"/>
+            <a:ext cx="3775649" cy="4199021"/>
+          </a:xfrm>
+          <a:prstGeom prst="rect">
+            <a:avLst/>
+          </a:prstGeom>
+        </p:spPr>
+      </p:pic>
+      <p:pic>
+        <p:nvPicPr>
+          <p:cNvPr id="10" name="Image 9"/>
+          <p:cNvPicPr>
+            <a:picLocks noChangeAspect="1"/>
+          </p:cNvPicPr>
+          <p:nvPr/>
+        </p:nvPicPr>
+        <p:blipFill>
+          <a:blip r:embed="rId3">
+            <a:extLst>
+              <a:ext uri="{28A0092B-C50C-407E-A947-70E740481C1C}">
+                <a14:useLocalDpi xmlns:a14="http://schemas.microsoft.com/office/drawing/2010/main" val="0"/>
+              </a:ext>
+            </a:extLst>
+          </a:blip>
+          <a:stretch>
+            <a:fillRect/>
+          </a:stretch>
+        </p:blipFill>
+        <p:spPr>
+          <a:xfrm>
+            <a:off x="6604846" y="1822339"/>
+            <a:ext cx="4523402" cy="4231762"/>
+          </a:xfrm>
+          <a:prstGeom prst="rect">
+            <a:avLst/>
+          </a:prstGeom>
+        </p:spPr>
+      </p:pic>
+      <p:pic>
+        <p:nvPicPr>
+          <p:cNvPr id="7" name="Espace réservé du contenu 6"/>
+          <p:cNvPicPr>
+            <a:picLocks noGrp="1" noChangeAspect="1"/>
+          </p:cNvPicPr>
           <p:nvPr>
             <p:ph idx="1"/>
           </p:nvPr>
-        </p:nvSpPr>
-        <p:spPr/>
-        <p:txBody>
-          <a:bodyPr/>
-          <a:lstStyle/>
-          <a:p>
-            <a:endParaRPr lang="fr-FR"/>
-          </a:p>
-        </p:txBody>
-      </p:sp>
+        </p:nvPicPr>
+        <p:blipFill>
+          <a:blip r:embed="rId4">
+            <a:extLst>
+              <a:ext uri="{28A0092B-C50C-407E-A947-70E740481C1C}">
+                <a14:useLocalDpi xmlns:a14="http://schemas.microsoft.com/office/drawing/2010/main" val="0"/>
+              </a:ext>
+            </a:extLst>
+          </a:blip>
+          <a:stretch>
+            <a:fillRect/>
+          </a:stretch>
+        </p:blipFill>
+        <p:spPr>
+          <a:xfrm>
+            <a:off x="147499" y="1904379"/>
+            <a:ext cx="3919404" cy="3447714"/>
+          </a:xfrm>
+        </p:spPr>
+      </p:pic>
     </p:spTree>
     <p:extLst>
       <p:ext uri="{BB962C8B-B14F-4D97-AF65-F5344CB8AC3E}">
@@ -4636,19 +4961,19 @@
         </p:nvSpPr>
         <p:spPr>
           <a:xfrm>
-            <a:off x="1069848" y="772015"/>
-            <a:ext cx="10058400" cy="1609344"/>
+            <a:off x="-385790" y="658804"/>
+            <a:ext cx="12969676" cy="1609344"/>
           </a:xfrm>
         </p:spPr>
         <p:txBody>
           <a:bodyPr>
-            <a:normAutofit/>
+            <a:noAutofit/>
           </a:bodyPr>
           <a:lstStyle/>
           <a:p>
             <a:pPr algn="ctr"/>
             <a:r>
-              <a:rPr lang="fr-FR" sz="5400" u="sng" dirty="0">
+              <a:rPr lang="fr-FR" sz="4400" u="sng" dirty="0">
                 <a:effectLst>
                   <a:outerShdw blurRad="38100" dist="38100" dir="2700000" algn="tl">
                     <a:srgbClr val="000000">
@@ -4657,10 +4982,34 @@
                   </a:outerShdw>
                 </a:effectLst>
               </a:rPr>
-              <a:t>Cahier des charges</a:t>
+              <a:t>Les différents </a:t>
+            </a:r>
+            <a:r>
+              <a:rPr lang="fr-FR" sz="4400" u="sng" dirty="0" smtClean="0">
+                <a:effectLst>
+                  <a:outerShdw blurRad="38100" dist="38100" dir="2700000" algn="tl">
+                    <a:srgbClr val="000000">
+                      <a:alpha val="43137"/>
+                    </a:srgbClr>
+                  </a:outerShdw>
+                </a:effectLst>
+              </a:rPr>
+              <a:t>diagrammes Borui</a:t>
+            </a:r>
+            <a:r>
+              <a:rPr lang="fr-FR" sz="4400" u="sng" dirty="0">
+                <a:effectLst>
+                  <a:outerShdw blurRad="38100" dist="38100" dir="2700000" algn="tl">
+                    <a:srgbClr val="000000">
+                      <a:alpha val="43137"/>
+                    </a:srgbClr>
+                  </a:outerShdw>
+                </a:effectLst>
+              </a:rPr>
+              <a:t/>
             </a:r>
             <a:br>
-              <a:rPr lang="fr-FR" sz="5400" u="sng" dirty="0">
+              <a:rPr lang="fr-FR" sz="4400" u="sng" dirty="0">
                 <a:effectLst>
                   <a:outerShdw blurRad="38100" dist="38100" dir="2700000" algn="tl">
                     <a:srgbClr val="000000">
@@ -4670,7 +5019,7 @@
                 </a:effectLst>
               </a:rPr>
             </a:br>
-            <a:endParaRPr lang="fr-FR" sz="5400" u="sng" dirty="0">
+            <a:endParaRPr lang="fr-FR" sz="4400" u="sng" dirty="0">
               <a:effectLst>
                 <a:outerShdw blurRad="38100" dist="38100" dir="2700000" algn="tl">
                   <a:srgbClr val="000000">
@@ -4682,29 +5031,69 @@
           </a:p>
         </p:txBody>
       </p:sp>
-      <p:sp>
-        <p:nvSpPr>
-          <p:cNvPr id="3" name="Espace réservé du contenu 2"/>
-          <p:cNvSpPr>
-            <a:spLocks noGrp="1"/>
-          </p:cNvSpPr>
+      <p:pic>
+        <p:nvPicPr>
+          <p:cNvPr id="6" name="Espace réservé du contenu 5"/>
+          <p:cNvPicPr>
+            <a:picLocks noGrp="1" noChangeAspect="1"/>
+          </p:cNvPicPr>
           <p:nvPr>
             <p:ph idx="1"/>
           </p:nvPr>
-        </p:nvSpPr>
-        <p:spPr/>
-        <p:txBody>
-          <a:bodyPr/>
-          <a:lstStyle/>
-          <a:p>
-            <a:endParaRPr lang="fr-FR"/>
-          </a:p>
-        </p:txBody>
-      </p:sp>
+        </p:nvPicPr>
+        <p:blipFill>
+          <a:blip r:embed="rId2">
+            <a:extLst>
+              <a:ext uri="{28A0092B-C50C-407E-A947-70E740481C1C}">
+                <a14:useLocalDpi xmlns:a14="http://schemas.microsoft.com/office/drawing/2010/main" val="0"/>
+              </a:ext>
+            </a:extLst>
+          </a:blip>
+          <a:stretch>
+            <a:fillRect/>
+          </a:stretch>
+        </p:blipFill>
+        <p:spPr>
+          <a:xfrm>
+            <a:off x="-476107" y="1248012"/>
+            <a:ext cx="5800530" cy="4482228"/>
+          </a:xfrm>
+        </p:spPr>
+      </p:pic>
+      <p:pic>
+        <p:nvPicPr>
+          <p:cNvPr id="7" name="Image 6"/>
+          <p:cNvPicPr>
+            <a:picLocks noChangeAspect="1"/>
+          </p:cNvPicPr>
+          <p:nvPr/>
+        </p:nvPicPr>
+        <p:blipFill>
+          <a:blip r:embed="rId3">
+            <a:extLst>
+              <a:ext uri="{28A0092B-C50C-407E-A947-70E740481C1C}">
+                <a14:useLocalDpi xmlns:a14="http://schemas.microsoft.com/office/drawing/2010/main" val="0"/>
+              </a:ext>
+            </a:extLst>
+          </a:blip>
+          <a:stretch>
+            <a:fillRect/>
+          </a:stretch>
+        </p:blipFill>
+        <p:spPr>
+          <a:xfrm>
+            <a:off x="6379069" y="1785946"/>
+            <a:ext cx="5667876" cy="4379724"/>
+          </a:xfrm>
+          <a:prstGeom prst="rect">
+            <a:avLst/>
+          </a:prstGeom>
+        </p:spPr>
+      </p:pic>
     </p:spTree>
     <p:extLst>
       <p:ext uri="{BB962C8B-B14F-4D97-AF65-F5344CB8AC3E}">
-        <p14:creationId xmlns:p14="http://schemas.microsoft.com/office/powerpoint/2010/main" val="588275339"/>
+        <p14:creationId xmlns:p14="http://schemas.microsoft.com/office/powerpoint/2010/main" val="2781482920"/>
       </p:ext>
     </p:extLst>
   </p:cSld>
@@ -4743,8 +5132,8 @@
         </p:nvSpPr>
         <p:spPr>
           <a:xfrm>
-            <a:off x="1069848" y="632678"/>
-            <a:ext cx="10058400" cy="1609344"/>
+            <a:off x="406690" y="658804"/>
+            <a:ext cx="11384716" cy="1609344"/>
           </a:xfrm>
         </p:spPr>
         <p:txBody>
@@ -4755,7 +5144,7 @@
           <a:p>
             <a:pPr algn="ctr"/>
             <a:r>
-              <a:rPr lang="fr-FR" u="sng" dirty="0">
+              <a:rPr lang="fr-FR" sz="4400" u="sng" dirty="0">
                 <a:effectLst>
                   <a:outerShdw blurRad="38100" dist="38100" dir="2700000" algn="tl">
                     <a:srgbClr val="000000">
@@ -4764,10 +5153,34 @@
                   </a:outerShdw>
                 </a:effectLst>
               </a:rPr>
-              <a:t>Chaine d’énergie et d’information</a:t>
+              <a:t>Les différents </a:t>
+            </a:r>
+            <a:r>
+              <a:rPr lang="fr-FR" sz="4400" u="sng" dirty="0" smtClean="0">
+                <a:effectLst>
+                  <a:outerShdw blurRad="38100" dist="38100" dir="2700000" algn="tl">
+                    <a:srgbClr val="000000">
+                      <a:alpha val="43137"/>
+                    </a:srgbClr>
+                  </a:outerShdw>
+                </a:effectLst>
+              </a:rPr>
+              <a:t>diagrammes Borui</a:t>
+            </a:r>
+            <a:r>
+              <a:rPr lang="fr-FR" sz="4400" u="sng" dirty="0">
+                <a:effectLst>
+                  <a:outerShdw blurRad="38100" dist="38100" dir="2700000" algn="tl">
+                    <a:srgbClr val="000000">
+                      <a:alpha val="43137"/>
+                    </a:srgbClr>
+                  </a:outerShdw>
+                </a:effectLst>
+              </a:rPr>
+              <a:t/>
             </a:r>
             <a:br>
-              <a:rPr lang="fr-FR" u="sng" dirty="0">
+              <a:rPr lang="fr-FR" sz="4400" u="sng" dirty="0">
                 <a:effectLst>
                   <a:outerShdw blurRad="38100" dist="38100" dir="2700000" algn="tl">
                     <a:srgbClr val="000000">
@@ -4777,7 +5190,7 @@
                 </a:effectLst>
               </a:rPr>
             </a:br>
-            <a:endParaRPr lang="fr-FR" u="sng" dirty="0">
+            <a:endParaRPr lang="fr-FR" sz="4400" u="sng" dirty="0">
               <a:effectLst>
                 <a:outerShdw blurRad="38100" dist="38100" dir="2700000" algn="tl">
                   <a:srgbClr val="000000">
@@ -4789,29 +5202,38 @@
           </a:p>
         </p:txBody>
       </p:sp>
-      <p:sp>
-        <p:nvSpPr>
-          <p:cNvPr id="3" name="Espace réservé du contenu 2"/>
-          <p:cNvSpPr>
-            <a:spLocks noGrp="1"/>
-          </p:cNvSpPr>
+      <p:pic>
+        <p:nvPicPr>
+          <p:cNvPr id="4" name="Espace réservé du contenu 3"/>
+          <p:cNvPicPr>
+            <a:picLocks noGrp="1" noChangeAspect="1"/>
+          </p:cNvPicPr>
           <p:nvPr>
             <p:ph idx="1"/>
           </p:nvPr>
-        </p:nvSpPr>
-        <p:spPr/>
-        <p:txBody>
-          <a:bodyPr/>
-          <a:lstStyle/>
-          <a:p>
-            <a:endParaRPr lang="fr-FR"/>
-          </a:p>
-        </p:txBody>
-      </p:sp>
+        </p:nvPicPr>
+        <p:blipFill rotWithShape="1">
+          <a:blip r:embed="rId2">
+            <a:extLst>
+              <a:ext uri="{28A0092B-C50C-407E-A947-70E740481C1C}">
+                <a14:useLocalDpi xmlns:a14="http://schemas.microsoft.com/office/drawing/2010/main" val="0"/>
+              </a:ext>
+            </a:extLst>
+          </a:blip>
+          <a:srcRect t="7965"/>
+          <a:stretch/>
+        </p:blipFill>
+        <p:spPr>
+          <a:xfrm>
+            <a:off x="337276" y="1480457"/>
+            <a:ext cx="7779112" cy="5532322"/>
+          </a:xfrm>
+        </p:spPr>
+      </p:pic>
     </p:spTree>
     <p:extLst>
       <p:ext uri="{BB962C8B-B14F-4D97-AF65-F5344CB8AC3E}">
-        <p14:creationId xmlns:p14="http://schemas.microsoft.com/office/powerpoint/2010/main" val="900131923"/>
+        <p14:creationId xmlns:p14="http://schemas.microsoft.com/office/powerpoint/2010/main" val="784239828"/>
       </p:ext>
     </p:extLst>
   </p:cSld>
@@ -4848,15 +5270,21 @@
             <p:ph type="title"/>
           </p:nvPr>
         </p:nvSpPr>
-        <p:spPr/>
+        <p:spPr>
+          <a:xfrm>
+            <a:off x="154142" y="658804"/>
+            <a:ext cx="11889812" cy="1609344"/>
+          </a:xfrm>
+        </p:spPr>
         <p:txBody>
           <a:bodyPr>
-            <a:normAutofit fontScale="90000"/>
+            <a:noAutofit/>
           </a:bodyPr>
           <a:lstStyle/>
           <a:p>
-            <a:r>
-              <a:rPr lang="fr-FR" u="sng" dirty="0">
+            <a:pPr algn="ctr"/>
+            <a:r>
+              <a:rPr lang="fr-FR" sz="4400" u="sng" dirty="0">
                 <a:effectLst>
                   <a:outerShdw blurRad="38100" dist="38100" dir="2700000" algn="tl">
                     <a:srgbClr val="000000">
@@ -4865,10 +5293,46 @@
                   </a:outerShdw>
                 </a:effectLst>
               </a:rPr>
-              <a:t>Solution logicielle ou matérielle</a:t>
+              <a:t>Les différents </a:t>
+            </a:r>
+            <a:r>
+              <a:rPr lang="fr-FR" sz="4400" u="sng" dirty="0" smtClean="0">
+                <a:effectLst>
+                  <a:outerShdw blurRad="38100" dist="38100" dir="2700000" algn="tl">
+                    <a:srgbClr val="000000">
+                      <a:alpha val="43137"/>
+                    </a:srgbClr>
+                  </a:outerShdw>
+                </a:effectLst>
+              </a:rPr>
+              <a:t>diagrammes </a:t>
+            </a:r>
+            <a:r>
+              <a:rPr lang="fr-FR" sz="4400" u="sng" dirty="0" err="1" smtClean="0">
+                <a:effectLst>
+                  <a:outerShdw blurRad="38100" dist="38100" dir="2700000" algn="tl">
+                    <a:srgbClr val="000000">
+                      <a:alpha val="43137"/>
+                    </a:srgbClr>
+                  </a:outerShdw>
+                </a:effectLst>
+              </a:rPr>
+              <a:t>Selmen</a:t>
+            </a:r>
+            <a:r>
+              <a:rPr lang="fr-FR" sz="4400" u="sng" dirty="0">
+                <a:effectLst>
+                  <a:outerShdw blurRad="38100" dist="38100" dir="2700000" algn="tl">
+                    <a:srgbClr val="000000">
+                      <a:alpha val="43137"/>
+                    </a:srgbClr>
+                  </a:outerShdw>
+                </a:effectLst>
+              </a:rPr>
+              <a:t/>
             </a:r>
             <a:br>
-              <a:rPr lang="fr-FR" u="sng" dirty="0">
+              <a:rPr lang="fr-FR" sz="4400" u="sng" dirty="0">
                 <a:effectLst>
                   <a:outerShdw blurRad="38100" dist="38100" dir="2700000" algn="tl">
                     <a:srgbClr val="000000">
@@ -4878,7 +5342,7 @@
                 </a:effectLst>
               </a:rPr>
             </a:br>
-            <a:endParaRPr lang="fr-FR" u="sng" dirty="0">
+            <a:endParaRPr lang="fr-FR" sz="4400" u="sng" dirty="0">
               <a:effectLst>
                 <a:outerShdw blurRad="38100" dist="38100" dir="2700000" algn="tl">
                   <a:srgbClr val="000000">
@@ -4890,29 +5354,58 @@
           </a:p>
         </p:txBody>
       </p:sp>
-      <p:sp>
-        <p:nvSpPr>
-          <p:cNvPr id="3" name="Espace réservé du contenu 2"/>
-          <p:cNvSpPr>
-            <a:spLocks noGrp="1"/>
-          </p:cNvSpPr>
-          <p:nvPr>
-            <p:ph idx="1"/>
-          </p:nvPr>
-        </p:nvSpPr>
-        <p:spPr/>
-        <p:txBody>
-          <a:bodyPr/>
-          <a:lstStyle/>
-          <a:p>
-            <a:endParaRPr lang="fr-FR"/>
-          </a:p>
-        </p:txBody>
-      </p:sp>
+      <p:pic>
+        <p:nvPicPr>
+          <p:cNvPr id="7" name="Image 6"/>
+          <p:cNvPicPr>
+            <a:picLocks noChangeAspect="1"/>
+          </p:cNvPicPr>
+          <p:nvPr/>
+        </p:nvPicPr>
+        <p:blipFill>
+          <a:blip r:embed="rId2"/>
+          <a:stretch>
+            <a:fillRect/>
+          </a:stretch>
+        </p:blipFill>
+        <p:spPr>
+          <a:xfrm>
+            <a:off x="6287588" y="1671170"/>
+            <a:ext cx="5503818" cy="4421350"/>
+          </a:xfrm>
+          <a:prstGeom prst="rect">
+            <a:avLst/>
+          </a:prstGeom>
+        </p:spPr>
+      </p:pic>
+      <p:pic>
+        <p:nvPicPr>
+          <p:cNvPr id="8" name="Image 7"/>
+          <p:cNvPicPr>
+            <a:picLocks noChangeAspect="1"/>
+          </p:cNvPicPr>
+          <p:nvPr/>
+        </p:nvPicPr>
+        <p:blipFill>
+          <a:blip r:embed="rId3"/>
+          <a:stretch>
+            <a:fillRect/>
+          </a:stretch>
+        </p:blipFill>
+        <p:spPr>
+          <a:xfrm>
+            <a:off x="531328" y="1954634"/>
+            <a:ext cx="5756260" cy="2651760"/>
+          </a:xfrm>
+          <a:prstGeom prst="rect">
+            <a:avLst/>
+          </a:prstGeom>
+        </p:spPr>
+      </p:pic>
     </p:spTree>
     <p:extLst>
       <p:ext uri="{BB962C8B-B14F-4D97-AF65-F5344CB8AC3E}">
-        <p14:creationId xmlns:p14="http://schemas.microsoft.com/office/powerpoint/2010/main" val="1677723131"/>
+        <p14:creationId xmlns:p14="http://schemas.microsoft.com/office/powerpoint/2010/main" val="18496431"/>
       </p:ext>
     </p:extLst>
   </p:cSld>
@@ -4949,13 +5442,19 @@
             <p:ph type="title"/>
           </p:nvPr>
         </p:nvSpPr>
-        <p:spPr/>
+        <p:spPr>
+          <a:xfrm>
+            <a:off x="154142" y="658804"/>
+            <a:ext cx="11889812" cy="1609344"/>
+          </a:xfrm>
+        </p:spPr>
         <p:txBody>
           <a:bodyPr>
-            <a:normAutofit/>
+            <a:noAutofit/>
           </a:bodyPr>
           <a:lstStyle/>
           <a:p>
+            <a:pPr algn="ctr"/>
             <a:r>
               <a:rPr lang="fr-FR" sz="4400" u="sng" dirty="0">
                 <a:effectLst>
@@ -4966,10 +5465,10 @@
                   </a:outerShdw>
                 </a:effectLst>
               </a:rPr>
-              <a:t>L’</a:t>
-            </a:r>
-            <a:r>
-              <a:rPr lang="fr-FR" sz="4400" u="sng" dirty="0" err="1">
+              <a:t>Les différents </a:t>
+            </a:r>
+            <a:r>
+              <a:rPr lang="fr-FR" sz="4400" u="sng" dirty="0" smtClean="0">
                 <a:effectLst>
                   <a:outerShdw blurRad="38100" dist="38100" dir="2700000" algn="tl">
                     <a:srgbClr val="000000">
@@ -4978,7 +5477,19 @@
                   </a:outerShdw>
                 </a:effectLst>
               </a:rPr>
-              <a:t>algorigramme</a:t>
+              <a:t>diagrammes </a:t>
+            </a:r>
+            <a:r>
+              <a:rPr lang="fr-FR" sz="4400" u="sng" dirty="0" err="1" smtClean="0">
+                <a:effectLst>
+                  <a:outerShdw blurRad="38100" dist="38100" dir="2700000" algn="tl">
+                    <a:srgbClr val="000000">
+                      <a:alpha val="43137"/>
+                    </a:srgbClr>
+                  </a:outerShdw>
+                </a:effectLst>
+              </a:rPr>
+              <a:t>Selmen</a:t>
             </a:r>
             <a:r>
               <a:rPr lang="fr-FR" sz="4400" u="sng" dirty="0">
@@ -4990,7 +5501,7 @@
                   </a:outerShdw>
                 </a:effectLst>
               </a:rPr>
-              <a:t> des systèmes</a:t>
+              <a:t/>
             </a:r>
             <a:br>
               <a:rPr lang="fr-FR" sz="4400" u="sng" dirty="0">
@@ -5015,29 +5526,304 @@
           </a:p>
         </p:txBody>
       </p:sp>
-      <p:sp>
-        <p:nvSpPr>
-          <p:cNvPr id="3" name="Espace réservé du contenu 2"/>
-          <p:cNvSpPr>
-            <a:spLocks noGrp="1"/>
-          </p:cNvSpPr>
-          <p:nvPr>
-            <p:ph idx="1"/>
-          </p:nvPr>
-        </p:nvSpPr>
-        <p:spPr/>
-        <p:txBody>
-          <a:bodyPr/>
-          <a:lstStyle/>
-          <a:p>
-            <a:endParaRPr lang="fr-FR"/>
-          </a:p>
-        </p:txBody>
-      </p:sp>
+      <p:pic>
+        <p:nvPicPr>
+          <p:cNvPr id="5" name="Image 4"/>
+          <p:cNvPicPr>
+            <a:picLocks noChangeAspect="1"/>
+          </p:cNvPicPr>
+          <p:nvPr/>
+        </p:nvPicPr>
+        <p:blipFill>
+          <a:blip r:embed="rId2"/>
+          <a:stretch>
+            <a:fillRect/>
+          </a:stretch>
+        </p:blipFill>
+        <p:spPr>
+          <a:xfrm>
+            <a:off x="2442628" y="1628186"/>
+            <a:ext cx="4785486" cy="4923264"/>
+          </a:xfrm>
+          <a:prstGeom prst="rect">
+            <a:avLst/>
+          </a:prstGeom>
+        </p:spPr>
+      </p:pic>
     </p:spTree>
     <p:extLst>
       <p:ext uri="{BB962C8B-B14F-4D97-AF65-F5344CB8AC3E}">
-        <p14:creationId xmlns:p14="http://schemas.microsoft.com/office/powerpoint/2010/main" val="3695257969"/>
+        <p14:creationId xmlns:p14="http://schemas.microsoft.com/office/powerpoint/2010/main" val="663024667"/>
+      </p:ext>
+    </p:extLst>
+  </p:cSld>
+  <p:clrMapOvr>
+    <a:masterClrMapping/>
+  </p:clrMapOvr>
+</p:sld>
+</file>
+
+<file path=ppt/slides/slide8.xml><?xml version="1.0" encoding="utf-8"?>
+<p:sld xmlns:a="http://schemas.openxmlformats.org/drawingml/2006/main" xmlns:r="http://schemas.openxmlformats.org/officeDocument/2006/relationships" xmlns:p="http://schemas.openxmlformats.org/presentationml/2006/main">
+  <p:cSld>
+    <p:spTree>
+      <p:nvGrpSpPr>
+        <p:cNvPr id="1" name=""/>
+        <p:cNvGrpSpPr/>
+        <p:nvPr/>
+      </p:nvGrpSpPr>
+      <p:grpSpPr>
+        <a:xfrm>
+          <a:off x="0" y="0"/>
+          <a:ext cx="0" cy="0"/>
+          <a:chOff x="0" y="0"/>
+          <a:chExt cx="0" cy="0"/>
+        </a:xfrm>
+      </p:grpSpPr>
+      <p:sp>
+        <p:nvSpPr>
+          <p:cNvPr id="2" name="Titre 1"/>
+          <p:cNvSpPr>
+            <a:spLocks noGrp="1"/>
+          </p:cNvSpPr>
+          <p:nvPr>
+            <p:ph type="title"/>
+          </p:nvPr>
+        </p:nvSpPr>
+        <p:spPr>
+          <a:xfrm>
+            <a:off x="1069848" y="658804"/>
+            <a:ext cx="10058400" cy="1609344"/>
+          </a:xfrm>
+        </p:spPr>
+        <p:txBody>
+          <a:bodyPr>
+            <a:noAutofit/>
+          </a:bodyPr>
+          <a:lstStyle/>
+          <a:p>
+            <a:pPr algn="ctr"/>
+            <a:r>
+              <a:rPr lang="fr-FR" sz="4400" u="sng" dirty="0">
+                <a:effectLst>
+                  <a:outerShdw blurRad="38100" dist="38100" dir="2700000" algn="tl">
+                    <a:srgbClr val="000000">
+                      <a:alpha val="43137"/>
+                    </a:srgbClr>
+                  </a:outerShdw>
+                </a:effectLst>
+              </a:rPr>
+              <a:t>Les </a:t>
+            </a:r>
+            <a:r>
+              <a:rPr lang="fr-FR" sz="4400" u="sng" dirty="0" smtClean="0">
+                <a:effectLst>
+                  <a:outerShdw blurRad="38100" dist="38100" dir="2700000" algn="tl">
+                    <a:srgbClr val="000000">
+                      <a:alpha val="43137"/>
+                    </a:srgbClr>
+                  </a:outerShdw>
+                </a:effectLst>
+              </a:rPr>
+              <a:t>triptyque du </a:t>
+            </a:r>
+            <a:r>
+              <a:rPr lang="fr-FR" sz="4400" u="sng" dirty="0" err="1">
+                <a:effectLst>
+                  <a:outerShdw blurRad="38100" dist="38100" dir="2700000" algn="tl">
+                    <a:srgbClr val="000000">
+                      <a:alpha val="43137"/>
+                    </a:srgbClr>
+                  </a:outerShdw>
+                </a:effectLst>
+              </a:rPr>
+              <a:t>Dév</a:t>
+            </a:r>
+            <a:r>
+              <a:rPr lang="fr-FR" sz="4400" u="sng" dirty="0">
+                <a:effectLst>
+                  <a:outerShdw blurRad="38100" dist="38100" dir="2700000" algn="tl">
+                    <a:srgbClr val="000000">
+                      <a:alpha val="43137"/>
+                    </a:srgbClr>
+                  </a:outerShdw>
+                </a:effectLst>
+              </a:rPr>
+              <a:t>-dur</a:t>
+            </a:r>
+            <a:br>
+              <a:rPr lang="fr-FR" sz="4400" u="sng" dirty="0">
+                <a:effectLst>
+                  <a:outerShdw blurRad="38100" dist="38100" dir="2700000" algn="tl">
+                    <a:srgbClr val="000000">
+                      <a:alpha val="43137"/>
+                    </a:srgbClr>
+                  </a:outerShdw>
+                </a:effectLst>
+              </a:rPr>
+            </a:br>
+            <a:endParaRPr lang="fr-FR" sz="4400" u="sng" dirty="0">
+              <a:effectLst>
+                <a:outerShdw blurRad="38100" dist="38100" dir="2700000" algn="tl">
+                  <a:srgbClr val="000000">
+                    <a:alpha val="43137"/>
+                  </a:srgbClr>
+                </a:outerShdw>
+              </a:effectLst>
+            </a:endParaRPr>
+          </a:p>
+        </p:txBody>
+      </p:sp>
+      <p:pic>
+        <p:nvPicPr>
+          <p:cNvPr id="4" name="Espace réservé du contenu 3"/>
+          <p:cNvPicPr>
+            <a:picLocks noGrp="1" noChangeAspect="1"/>
+          </p:cNvPicPr>
+          <p:nvPr>
+            <p:ph idx="1"/>
+          </p:nvPr>
+        </p:nvPicPr>
+        <p:blipFill>
+          <a:blip r:embed="rId2">
+            <a:extLst>
+              <a:ext uri="{28A0092B-C50C-407E-A947-70E740481C1C}">
+                <a14:useLocalDpi xmlns:a14="http://schemas.microsoft.com/office/drawing/2010/main" val="0"/>
+              </a:ext>
+            </a:extLst>
+          </a:blip>
+          <a:stretch>
+            <a:fillRect/>
+          </a:stretch>
+        </p:blipFill>
+        <p:spPr>
+          <a:xfrm>
+            <a:off x="3879107" y="1778796"/>
+            <a:ext cx="4439882" cy="4231762"/>
+          </a:xfrm>
+        </p:spPr>
+      </p:pic>
+    </p:spTree>
+    <p:extLst>
+      <p:ext uri="{BB962C8B-B14F-4D97-AF65-F5344CB8AC3E}">
+        <p14:creationId xmlns:p14="http://schemas.microsoft.com/office/powerpoint/2010/main" val="3355750342"/>
+      </p:ext>
+    </p:extLst>
+  </p:cSld>
+  <p:clrMapOvr>
+    <a:masterClrMapping/>
+  </p:clrMapOvr>
+</p:sld>
+</file>
+
+<file path=ppt/slides/slide9.xml><?xml version="1.0" encoding="utf-8"?>
+<p:sld xmlns:a="http://schemas.openxmlformats.org/drawingml/2006/main" xmlns:r="http://schemas.openxmlformats.org/officeDocument/2006/relationships" xmlns:p="http://schemas.openxmlformats.org/presentationml/2006/main">
+  <p:cSld>
+    <p:spTree>
+      <p:nvGrpSpPr>
+        <p:cNvPr id="1" name=""/>
+        <p:cNvGrpSpPr/>
+        <p:nvPr/>
+      </p:nvGrpSpPr>
+      <p:grpSpPr>
+        <a:xfrm>
+          <a:off x="0" y="0"/>
+          <a:ext cx="0" cy="0"/>
+          <a:chOff x="0" y="0"/>
+          <a:chExt cx="0" cy="0"/>
+        </a:xfrm>
+      </p:grpSpPr>
+      <p:sp>
+        <p:nvSpPr>
+          <p:cNvPr id="2" name="Titre 1"/>
+          <p:cNvSpPr>
+            <a:spLocks noGrp="1"/>
+          </p:cNvSpPr>
+          <p:nvPr>
+            <p:ph type="title"/>
+          </p:nvPr>
+        </p:nvSpPr>
+        <p:spPr>
+          <a:xfrm>
+            <a:off x="1069848" y="632678"/>
+            <a:ext cx="10058400" cy="1609344"/>
+          </a:xfrm>
+        </p:spPr>
+        <p:txBody>
+          <a:bodyPr>
+            <a:noAutofit/>
+          </a:bodyPr>
+          <a:lstStyle/>
+          <a:p>
+            <a:pPr algn="ctr"/>
+            <a:r>
+              <a:rPr lang="fr-FR" u="sng" dirty="0">
+                <a:effectLst>
+                  <a:outerShdw blurRad="38100" dist="38100" dir="2700000" algn="tl">
+                    <a:srgbClr val="000000">
+                      <a:alpha val="43137"/>
+                    </a:srgbClr>
+                  </a:outerShdw>
+                </a:effectLst>
+              </a:rPr>
+              <a:t>Chaine d’énergie et d’information</a:t>
+            </a:r>
+            <a:br>
+              <a:rPr lang="fr-FR" u="sng" dirty="0">
+                <a:effectLst>
+                  <a:outerShdw blurRad="38100" dist="38100" dir="2700000" algn="tl">
+                    <a:srgbClr val="000000">
+                      <a:alpha val="43137"/>
+                    </a:srgbClr>
+                  </a:outerShdw>
+                </a:effectLst>
+              </a:rPr>
+            </a:br>
+            <a:endParaRPr lang="fr-FR" u="sng" dirty="0">
+              <a:effectLst>
+                <a:outerShdw blurRad="38100" dist="38100" dir="2700000" algn="tl">
+                  <a:srgbClr val="000000">
+                    <a:alpha val="43137"/>
+                  </a:srgbClr>
+                </a:outerShdw>
+              </a:effectLst>
+            </a:endParaRPr>
+          </a:p>
+        </p:txBody>
+      </p:sp>
+      <p:pic>
+        <p:nvPicPr>
+          <p:cNvPr id="4" name="Espace réservé du contenu 3"/>
+          <p:cNvPicPr>
+            <a:picLocks noGrp="1" noChangeAspect="1"/>
+          </p:cNvPicPr>
+          <p:nvPr>
+            <p:ph idx="1"/>
+          </p:nvPr>
+        </p:nvPicPr>
+        <p:blipFill>
+          <a:blip r:embed="rId2">
+            <a:extLst>
+              <a:ext uri="{28A0092B-C50C-407E-A947-70E740481C1C}">
+                <a14:useLocalDpi xmlns:a14="http://schemas.microsoft.com/office/drawing/2010/main" val="0"/>
+              </a:ext>
+            </a:extLst>
+          </a:blip>
+          <a:stretch>
+            <a:fillRect/>
+          </a:stretch>
+        </p:blipFill>
+        <p:spPr>
+          <a:xfrm>
+            <a:off x="2458842" y="1345836"/>
+            <a:ext cx="7686644" cy="5939681"/>
+          </a:xfrm>
+        </p:spPr>
+      </p:pic>
+    </p:spTree>
+    <p:extLst>
+      <p:ext uri="{BB962C8B-B14F-4D97-AF65-F5344CB8AC3E}">
+        <p14:creationId xmlns:p14="http://schemas.microsoft.com/office/powerpoint/2010/main" val="900131923"/>
       </p:ext>
     </p:extLst>
   </p:cSld>
